--- a/AstraZeneca.pptx
+++ b/AstraZeneca.pptx
@@ -23,30 +23,31 @@
     <p:sldId id="268" r:id="rId18"/>
     <p:sldId id="269" r:id="rId19"/>
     <p:sldId id="270" r:id="rId20"/>
+    <p:sldId id="271" r:id="rId21"/>
   </p:sldIdLst>
   <p:sldSz cy="5143500" cx="9144000"/>
   <p:notesSz cx="6858000" cy="9144000"/>
   <p:embeddedFontLst>
     <p:embeddedFont>
       <p:font typeface="Raleway"/>
-      <p:regular r:id="rId21"/>
-      <p:bold r:id="rId22"/>
-      <p:italic r:id="rId23"/>
-      <p:boldItalic r:id="rId24"/>
+      <p:regular r:id="rId22"/>
+      <p:bold r:id="rId23"/>
+      <p:italic r:id="rId24"/>
+      <p:boldItalic r:id="rId25"/>
     </p:embeddedFont>
     <p:embeddedFont>
       <p:font typeface="Roboto"/>
-      <p:regular r:id="rId25"/>
-      <p:bold r:id="rId26"/>
-      <p:italic r:id="rId27"/>
-      <p:boldItalic r:id="rId28"/>
+      <p:regular r:id="rId26"/>
+      <p:bold r:id="rId27"/>
+      <p:italic r:id="rId28"/>
+      <p:boldItalic r:id="rId29"/>
     </p:embeddedFont>
     <p:embeddedFont>
       <p:font typeface="Lato"/>
-      <p:regular r:id="rId29"/>
-      <p:bold r:id="rId30"/>
-      <p:italic r:id="rId31"/>
-      <p:boldItalic r:id="rId32"/>
+      <p:regular r:id="rId30"/>
+      <p:bold r:id="rId31"/>
+      <p:italic r:id="rId32"/>
+      <p:boldItalic r:id="rId33"/>
     </p:embeddedFont>
   </p:embeddedFontLst>
   <p:defaultTextStyle>
@@ -1372,6 +1373,105 @@
       <p:sp>
         <p:nvSpPr>
           <p:cNvPr id="169" name="Google Shape;169;g72329f2682_0_653:notes"/>
+          <p:cNvSpPr txBox="1"/>
+          <p:nvPr>
+            <p:ph idx="1" type="body"/>
+          </p:nvPr>
+        </p:nvSpPr>
+        <p:spPr>
+          <a:xfrm>
+            <a:off x="685800" y="4343400"/>
+            <a:ext cx="5486400" cy="4114800"/>
+          </a:xfrm>
+          <a:prstGeom prst="rect">
+            <a:avLst/>
+          </a:prstGeom>
+        </p:spPr>
+        <p:txBody>
+          <a:bodyPr anchorCtr="0" anchor="t" bIns="91425" lIns="91425" spcFirstLastPara="1" rIns="91425" wrap="square" tIns="91425">
+            <a:noAutofit/>
+          </a:bodyPr>
+          <a:lstStyle/>
+          <a:p>
+            <a:pPr indent="0" lvl="0" marL="0" rtl="0" algn="l">
+              <a:spcBef>
+                <a:spcPts val="0"/>
+              </a:spcBef>
+              <a:spcAft>
+                <a:spcPts val="0"/>
+              </a:spcAft>
+              <a:buNone/>
+            </a:pPr>
+            <a:r>
+              <a:t/>
+            </a:r>
+            <a:endParaRPr/>
+          </a:p>
+        </p:txBody>
+      </p:sp>
+    </p:spTree>
+  </p:cSld>
+  <p:clrMapOvr>
+    <a:masterClrMapping/>
+  </p:clrMapOvr>
+</p:notes>
+</file>
+
+<file path=ppt/notesSlides/notesSlide16.xml><?xml version="1.0" encoding="utf-8"?>
+<p:notes xmlns:a="http://schemas.openxmlformats.org/drawingml/2006/main" xmlns:r="http://schemas.openxmlformats.org/officeDocument/2006/relationships" xmlns:mc="http://schemas.openxmlformats.org/markup-compatibility/2006" xmlns:mv="urn:schemas-microsoft-com:mac:vml" xmlns:p="http://schemas.openxmlformats.org/presentationml/2006/main" xmlns:c="http://schemas.openxmlformats.org/drawingml/2006/chart" xmlns:dgm="http://schemas.openxmlformats.org/drawingml/2006/diagram" xmlns:o="urn:schemas-microsoft-com:office:office" xmlns:v="urn:schemas-microsoft-com:vml" xmlns:pvml="urn:schemas-microsoft-com:office:powerpoint" xmlns:com="http://schemas.openxmlformats.org/drawingml/2006/compatibility" xmlns:p14="http://schemas.microsoft.com/office/powerpoint/2010/main" xmlns:p15="http://schemas.microsoft.com/office/powerpoint/2012/main" showMasterPhAnim="0" showMasterSp="0">
+  <p:cSld>
+    <p:spTree>
+      <p:nvGrpSpPr>
+        <p:cNvPr id="175" name="Shape 175"/>
+        <p:cNvGrpSpPr/>
+        <p:nvPr/>
+      </p:nvGrpSpPr>
+      <p:grpSpPr>
+        <a:xfrm>
+          <a:off x="0" y="0"/>
+          <a:ext cx="0" cy="0"/>
+          <a:chOff x="0" y="0"/>
+          <a:chExt cx="0" cy="0"/>
+        </a:xfrm>
+      </p:grpSpPr>
+      <p:sp>
+        <p:nvSpPr>
+          <p:cNvPr id="176" name="Google Shape;176;g888151c812_0_2:notes"/>
+          <p:cNvSpPr/>
+          <p:nvPr>
+            <p:ph idx="2" type="sldImg"/>
+          </p:nvPr>
+        </p:nvSpPr>
+        <p:spPr>
+          <a:xfrm>
+            <a:off x="381300" y="685800"/>
+            <a:ext cx="6096000" cy="3429000"/>
+          </a:xfrm>
+          <a:custGeom>
+            <a:rect b="b" l="l" r="r" t="t"/>
+            <a:pathLst>
+              <a:path extrusionOk="0" h="120000" w="120000">
+                <a:moveTo>
+                  <a:pt x="0" y="0"/>
+                </a:moveTo>
+                <a:lnTo>
+                  <a:pt x="120000" y="0"/>
+                </a:lnTo>
+                <a:lnTo>
+                  <a:pt x="120000" y="120000"/>
+                </a:lnTo>
+                <a:lnTo>
+                  <a:pt x="0" y="120000"/>
+                </a:lnTo>
+                <a:close/>
+              </a:path>
+            </a:pathLst>
+          </a:custGeom>
+        </p:spPr>
+      </p:sp>
+      <p:sp>
+        <p:nvSpPr>
+          <p:cNvPr id="177" name="Google Shape;177;g888151c812_0_2:notes"/>
           <p:cNvSpPr txBox="1"/>
           <p:nvPr>
             <p:ph idx="1" type="body"/>
@@ -9050,6 +9150,87 @@
 </p:sld>
 </file>
 
+<file path=ppt/slides/slide16.xml><?xml version="1.0" encoding="utf-8"?>
+<p:sld xmlns:a="http://schemas.openxmlformats.org/drawingml/2006/main" xmlns:r="http://schemas.openxmlformats.org/officeDocument/2006/relationships" xmlns:mc="http://schemas.openxmlformats.org/markup-compatibility/2006" xmlns:mv="urn:schemas-microsoft-com:mac:vml" xmlns:p="http://schemas.openxmlformats.org/presentationml/2006/main" xmlns:c="http://schemas.openxmlformats.org/drawingml/2006/chart" xmlns:dgm="http://schemas.openxmlformats.org/drawingml/2006/diagram" xmlns:o="urn:schemas-microsoft-com:office:office" xmlns:v="urn:schemas-microsoft-com:vml" xmlns:pvml="urn:schemas-microsoft-com:office:powerpoint" xmlns:com="http://schemas.openxmlformats.org/drawingml/2006/compatibility" xmlns:p14="http://schemas.microsoft.com/office/powerpoint/2010/main" xmlns:p15="http://schemas.microsoft.com/office/powerpoint/2012/main">
+  <p:cSld>
+    <p:spTree>
+      <p:nvGrpSpPr>
+        <p:cNvPr id="178" name="Shape 178"/>
+        <p:cNvGrpSpPr/>
+        <p:nvPr/>
+      </p:nvGrpSpPr>
+      <p:grpSpPr>
+        <a:xfrm>
+          <a:off x="0" y="0"/>
+          <a:ext cx="0" cy="0"/>
+          <a:chOff x="0" y="0"/>
+          <a:chExt cx="0" cy="0"/>
+        </a:xfrm>
+      </p:grpSpPr>
+      <p:pic>
+        <p:nvPicPr>
+          <p:cNvPr id="179" name="Google Shape;179;p28"/>
+          <p:cNvPicPr preferRelativeResize="0"/>
+          <p:nvPr/>
+        </p:nvPicPr>
+        <p:blipFill>
+          <a:blip r:embed="rId3">
+            <a:alphaModFix/>
+          </a:blip>
+          <a:stretch>
+            <a:fillRect/>
+          </a:stretch>
+        </p:blipFill>
+        <p:spPr>
+          <a:xfrm>
+            <a:off x="118500" y="152400"/>
+            <a:ext cx="4109950" cy="2807925"/>
+          </a:xfrm>
+          <a:prstGeom prst="rect">
+            <a:avLst/>
+          </a:prstGeom>
+          <a:noFill/>
+          <a:ln>
+            <a:noFill/>
+          </a:ln>
+        </p:spPr>
+      </p:pic>
+      <p:pic>
+        <p:nvPicPr>
+          <p:cNvPr id="180" name="Google Shape;180;p28"/>
+          <p:cNvPicPr preferRelativeResize="0"/>
+          <p:nvPr/>
+        </p:nvPicPr>
+        <p:blipFill>
+          <a:blip r:embed="rId4">
+            <a:alphaModFix/>
+          </a:blip>
+          <a:stretch>
+            <a:fillRect/>
+          </a:stretch>
+        </p:blipFill>
+        <p:spPr>
+          <a:xfrm>
+            <a:off x="4497675" y="1780000"/>
+            <a:ext cx="4163425" cy="3130951"/>
+          </a:xfrm>
+          <a:prstGeom prst="rect">
+            <a:avLst/>
+          </a:prstGeom>
+          <a:noFill/>
+          <a:ln>
+            <a:noFill/>
+          </a:ln>
+        </p:spPr>
+      </p:pic>
+    </p:spTree>
+  </p:cSld>
+  <p:clrMapOvr>
+    <a:masterClrMapping/>
+  </p:clrMapOvr>
+</p:sld>
+</file>
+
 <file path=ppt/slides/slide2.xml><?xml version="1.0" encoding="utf-8"?>
 <p:sld xmlns:a="http://schemas.openxmlformats.org/drawingml/2006/main" xmlns:r="http://schemas.openxmlformats.org/officeDocument/2006/relationships" xmlns:mc="http://schemas.openxmlformats.org/markup-compatibility/2006" xmlns:mv="urn:schemas-microsoft-com:mac:vml" xmlns:p="http://schemas.openxmlformats.org/presentationml/2006/main" xmlns:c="http://schemas.openxmlformats.org/drawingml/2006/chart" xmlns:dgm="http://schemas.openxmlformats.org/drawingml/2006/diagram" xmlns:o="urn:schemas-microsoft-com:office:office" xmlns:v="urn:schemas-microsoft-com:vml" xmlns:pvml="urn:schemas-microsoft-com:office:powerpoint" xmlns:com="http://schemas.openxmlformats.org/drawingml/2006/compatibility" xmlns:p14="http://schemas.microsoft.com/office/powerpoint/2010/main" xmlns:p15="http://schemas.microsoft.com/office/powerpoint/2012/main">
   <p:cSld>
@@ -11094,7 +11275,7 @@
         </p:blipFill>
         <p:spPr>
           <a:xfrm>
-            <a:off x="5088300" y="2153150"/>
+            <a:off x="5088300" y="2076950"/>
             <a:ext cx="3352800" cy="2514600"/>
           </a:xfrm>
           <a:prstGeom prst="rect">
@@ -11220,6 +11401,285 @@
 </file>
 
 <file path=ppt/theme/theme1.xml><?xml version="1.0" encoding="utf-8"?>
+<a:theme xmlns:a="http://schemas.openxmlformats.org/drawingml/2006/main" xmlns:r="http://schemas.openxmlformats.org/officeDocument/2006/relationships" name="Swiss">
+  <a:themeElements>
+    <a:clrScheme name="Swiss">
+      <a:dk1>
+        <a:srgbClr val="F46524"/>
+      </a:dk1>
+      <a:lt1>
+        <a:srgbClr val="FFFFFF"/>
+      </a:lt1>
+      <a:dk2>
+        <a:srgbClr val="000000"/>
+      </a:dk2>
+      <a:lt2>
+        <a:srgbClr val="757575"/>
+      </a:lt2>
+      <a:accent1>
+        <a:srgbClr val="01579B"/>
+      </a:accent1>
+      <a:accent2>
+        <a:srgbClr val="27C7BD"/>
+      </a:accent2>
+      <a:accent3>
+        <a:srgbClr val="0099E8"/>
+      </a:accent3>
+      <a:accent4>
+        <a:srgbClr val="51B9A3"/>
+      </a:accent4>
+      <a:accent5>
+        <a:srgbClr val="FB8C00"/>
+      </a:accent5>
+      <a:accent6>
+        <a:srgbClr val="FFAE88"/>
+      </a:accent6>
+      <a:hlink>
+        <a:srgbClr val="0277BD"/>
+      </a:hlink>
+      <a:folHlink>
+        <a:srgbClr val="0277BD"/>
+      </a:folHlink>
+    </a:clrScheme>
+    <a:fontScheme name="Office">
+      <a:majorFont>
+        <a:latin typeface="Arial"/>
+        <a:ea typeface=""/>
+        <a:cs typeface=""/>
+        <a:font script="Jpan" typeface="ＭＳ Ｐゴシック"/>
+        <a:font script="Hang" typeface="맑은 고딕"/>
+        <a:font script="Hans" typeface="宋体"/>
+        <a:font script="Hant" typeface="新細明體"/>
+        <a:font script="Arab" typeface="Times New Roman"/>
+        <a:font script="Hebr" typeface="Times New Roman"/>
+        <a:font script="Thai" typeface="Angsana New"/>
+        <a:font script="Ethi" typeface="Nyala"/>
+        <a:font script="Beng" typeface="Vrinda"/>
+        <a:font script="Gujr" typeface="Shruti"/>
+        <a:font script="Khmr" typeface="MoolBoran"/>
+        <a:font script="Knda" typeface="Tunga"/>
+        <a:font script="Guru" typeface="Raavi"/>
+        <a:font script="Cans" typeface="Euphemia"/>
+        <a:font script="Cher" typeface="Plantagenet Cherokee"/>
+        <a:font script="Yiii" typeface="Microsoft Yi Baiti"/>
+        <a:font script="Tibt" typeface="Microsoft Himalaya"/>
+        <a:font script="Thaa" typeface="MV Boli"/>
+        <a:font script="Deva" typeface="Mangal"/>
+        <a:font script="Telu" typeface="Gautami"/>
+        <a:font script="Taml" typeface="Latha"/>
+        <a:font script="Syrc" typeface="Estrangelo Edessa"/>
+        <a:font script="Orya" typeface="Kalinga"/>
+        <a:font script="Mlym" typeface="Kartika"/>
+        <a:font script="Laoo" typeface="DokChampa"/>
+        <a:font script="Sinh" typeface="Iskoola Pota"/>
+        <a:font script="Mong" typeface="Mongolian Baiti"/>
+        <a:font script="Viet" typeface="Times New Roman"/>
+        <a:font script="Uigh" typeface="Microsoft Uighur"/>
+        <a:font script="Geor" typeface="Sylfaen"/>
+      </a:majorFont>
+      <a:minorFont>
+        <a:latin typeface="Arial"/>
+        <a:ea typeface=""/>
+        <a:cs typeface=""/>
+        <a:font script="Jpan" typeface="ＭＳ Ｐゴシック"/>
+        <a:font script="Hang" typeface="맑은 고딕"/>
+        <a:font script="Hans" typeface="宋体"/>
+        <a:font script="Hant" typeface="新細明體"/>
+        <a:font script="Arab" typeface="Arial"/>
+        <a:font script="Hebr" typeface="Arial"/>
+        <a:font script="Thai" typeface="Cordia New"/>
+        <a:font script="Ethi" typeface="Nyala"/>
+        <a:font script="Beng" typeface="Vrinda"/>
+        <a:font script="Gujr" typeface="Shruti"/>
+        <a:font script="Khmr" typeface="DaunPenh"/>
+        <a:font script="Knda" typeface="Tunga"/>
+        <a:font script="Guru" typeface="Raavi"/>
+        <a:font script="Cans" typeface="Euphemia"/>
+        <a:font script="Cher" typeface="Plantagenet Cherokee"/>
+        <a:font script="Yiii" typeface="Microsoft Yi Baiti"/>
+        <a:font script="Tibt" typeface="Microsoft Himalaya"/>
+        <a:font script="Thaa" typeface="MV Boli"/>
+        <a:font script="Deva" typeface="Mangal"/>
+        <a:font script="Telu" typeface="Gautami"/>
+        <a:font script="Taml" typeface="Latha"/>
+        <a:font script="Syrc" typeface="Estrangelo Edessa"/>
+        <a:font script="Orya" typeface="Kalinga"/>
+        <a:font script="Mlym" typeface="Kartika"/>
+        <a:font script="Laoo" typeface="DokChampa"/>
+        <a:font script="Sinh" typeface="Iskoola Pota"/>
+        <a:font script="Mong" typeface="Mongolian Baiti"/>
+        <a:font script="Viet" typeface="Arial"/>
+        <a:font script="Uigh" typeface="Microsoft Uighur"/>
+        <a:font script="Geor" typeface="Sylfaen"/>
+      </a:minorFont>
+    </a:fontScheme>
+    <a:fmtScheme name="Office">
+      <a:fillStyleLst>
+        <a:solidFill>
+          <a:schemeClr val="phClr"/>
+        </a:solidFill>
+        <a:gradFill rotWithShape="1">
+          <a:gsLst>
+            <a:gs pos="0">
+              <a:schemeClr val="phClr">
+                <a:tint val="50000"/>
+                <a:satMod val="300000"/>
+              </a:schemeClr>
+            </a:gs>
+            <a:gs pos="35000">
+              <a:schemeClr val="phClr">
+                <a:tint val="37000"/>
+                <a:satMod val="300000"/>
+              </a:schemeClr>
+            </a:gs>
+            <a:gs pos="100000">
+              <a:schemeClr val="phClr">
+                <a:tint val="15000"/>
+                <a:satMod val="350000"/>
+              </a:schemeClr>
+            </a:gs>
+          </a:gsLst>
+          <a:lin ang="16200000" scaled="1"/>
+        </a:gradFill>
+        <a:gradFill rotWithShape="1">
+          <a:gsLst>
+            <a:gs pos="0">
+              <a:schemeClr val="phClr">
+                <a:tint val="100000"/>
+                <a:shade val="100000"/>
+                <a:satMod val="130000"/>
+              </a:schemeClr>
+            </a:gs>
+            <a:gs pos="100000">
+              <a:schemeClr val="phClr">
+                <a:tint val="50000"/>
+                <a:shade val="100000"/>
+                <a:satMod val="350000"/>
+              </a:schemeClr>
+            </a:gs>
+          </a:gsLst>
+          <a:lin ang="16200000" scaled="0"/>
+        </a:gradFill>
+      </a:fillStyleLst>
+      <a:lnStyleLst>
+        <a:ln w="9525" cap="flat" cmpd="sng" algn="ctr">
+          <a:solidFill>
+            <a:schemeClr val="phClr">
+              <a:shade val="95000"/>
+              <a:satMod val="105000"/>
+            </a:schemeClr>
+          </a:solidFill>
+          <a:prstDash val="solid"/>
+        </a:ln>
+        <a:ln w="25400" cap="flat" cmpd="sng" algn="ctr">
+          <a:solidFill>
+            <a:schemeClr val="phClr"/>
+          </a:solidFill>
+          <a:prstDash val="solid"/>
+        </a:ln>
+        <a:ln w="38100" cap="flat" cmpd="sng" algn="ctr">
+          <a:solidFill>
+            <a:schemeClr val="phClr"/>
+          </a:solidFill>
+          <a:prstDash val="solid"/>
+        </a:ln>
+      </a:lnStyleLst>
+      <a:effectStyleLst>
+        <a:effectStyle>
+          <a:effectLst>
+            <a:outerShdw blurRad="40000" dist="20000" dir="5400000" rotWithShape="0">
+              <a:srgbClr val="000000">
+                <a:alpha val="38000"/>
+              </a:srgbClr>
+            </a:outerShdw>
+          </a:effectLst>
+        </a:effectStyle>
+        <a:effectStyle>
+          <a:effectLst>
+            <a:outerShdw blurRad="40000" dist="23000" dir="5400000" rotWithShape="0">
+              <a:srgbClr val="000000">
+                <a:alpha val="35000"/>
+              </a:srgbClr>
+            </a:outerShdw>
+          </a:effectLst>
+        </a:effectStyle>
+        <a:effectStyle>
+          <a:effectLst>
+            <a:outerShdw blurRad="40000" dist="23000" dir="5400000" rotWithShape="0">
+              <a:srgbClr val="000000">
+                <a:alpha val="35000"/>
+              </a:srgbClr>
+            </a:outerShdw>
+          </a:effectLst>
+          <a:scene3d>
+            <a:camera prst="orthographicFront">
+              <a:rot lat="0" lon="0" rev="0"/>
+            </a:camera>
+            <a:lightRig rig="threePt" dir="t">
+              <a:rot lat="0" lon="0" rev="1200000"/>
+            </a:lightRig>
+          </a:scene3d>
+          <a:sp3d>
+            <a:bevelT w="63500" h="25400"/>
+          </a:sp3d>
+        </a:effectStyle>
+      </a:effectStyleLst>
+      <a:bgFillStyleLst>
+        <a:solidFill>
+          <a:schemeClr val="phClr"/>
+        </a:solidFill>
+        <a:gradFill rotWithShape="1">
+          <a:gsLst>
+            <a:gs pos="0">
+              <a:schemeClr val="phClr">
+                <a:tint val="40000"/>
+                <a:satMod val="350000"/>
+              </a:schemeClr>
+            </a:gs>
+            <a:gs pos="40000">
+              <a:schemeClr val="phClr">
+                <a:tint val="45000"/>
+                <a:shade val="99000"/>
+                <a:satMod val="350000"/>
+              </a:schemeClr>
+            </a:gs>
+            <a:gs pos="100000">
+              <a:schemeClr val="phClr">
+                <a:shade val="20000"/>
+                <a:satMod val="255000"/>
+              </a:schemeClr>
+            </a:gs>
+          </a:gsLst>
+          <a:path path="circle">
+            <a:fillToRect l="50000" t="-80000" r="50000" b="180000"/>
+          </a:path>
+        </a:gradFill>
+        <a:gradFill rotWithShape="1">
+          <a:gsLst>
+            <a:gs pos="0">
+              <a:schemeClr val="phClr">
+                <a:tint val="80000"/>
+                <a:satMod val="300000"/>
+              </a:schemeClr>
+            </a:gs>
+            <a:gs pos="100000">
+              <a:schemeClr val="phClr">
+                <a:shade val="30000"/>
+                <a:satMod val="200000"/>
+              </a:schemeClr>
+            </a:gs>
+          </a:gsLst>
+          <a:path path="circle">
+            <a:fillToRect l="50000" t="50000" r="50000" b="50000"/>
+          </a:path>
+        </a:gradFill>
+      </a:bgFillStyleLst>
+    </a:fmtScheme>
+  </a:themeElements>
+</a:theme>
+</file>
+
+<file path=ppt/theme/theme2.xml><?xml version="1.0" encoding="utf-8"?>
 <a:theme xmlns:a="http://schemas.openxmlformats.org/drawingml/2006/main" xmlns:r="http://schemas.openxmlformats.org/officeDocument/2006/relationships">
   <a:themeElements>
     <a:clrScheme name="Default">
@@ -11496,283 +11956,4 @@
     </a:fmtScheme>
   </a:themeElements>
 </a:theme>
-</file>
-
-<file path=ppt/theme/theme2.xml><?xml version="1.0" encoding="utf-8"?>
-<a:theme xmlns:a="http://schemas.openxmlformats.org/drawingml/2006/main" xmlns:r="http://schemas.openxmlformats.org/officeDocument/2006/relationships" name="Swiss">
-  <a:themeElements>
-    <a:clrScheme name="Swiss">
-      <a:dk1>
-        <a:srgbClr val="F46524"/>
-      </a:dk1>
-      <a:lt1>
-        <a:srgbClr val="FFFFFF"/>
-      </a:lt1>
-      <a:dk2>
-        <a:srgbClr val="000000"/>
-      </a:dk2>
-      <a:lt2>
-        <a:srgbClr val="757575"/>
-      </a:lt2>
-      <a:accent1>
-        <a:srgbClr val="01579B"/>
-      </a:accent1>
-      <a:accent2>
-        <a:srgbClr val="27C7BD"/>
-      </a:accent2>
-      <a:accent3>
-        <a:srgbClr val="0099E8"/>
-      </a:accent3>
-      <a:accent4>
-        <a:srgbClr val="51B9A3"/>
-      </a:accent4>
-      <a:accent5>
-        <a:srgbClr val="FB8C00"/>
-      </a:accent5>
-      <a:accent6>
-        <a:srgbClr val="FFAE88"/>
-      </a:accent6>
-      <a:hlink>
-        <a:srgbClr val="0277BD"/>
-      </a:hlink>
-      <a:folHlink>
-        <a:srgbClr val="0277BD"/>
-      </a:folHlink>
-    </a:clrScheme>
-    <a:fontScheme name="Office">
-      <a:majorFont>
-        <a:latin typeface="Arial"/>
-        <a:ea typeface=""/>
-        <a:cs typeface=""/>
-        <a:font script="Jpan" typeface="ＭＳ Ｐゴシック"/>
-        <a:font script="Hang" typeface="맑은 고딕"/>
-        <a:font script="Hans" typeface="宋体"/>
-        <a:font script="Hant" typeface="新細明體"/>
-        <a:font script="Arab" typeface="Times New Roman"/>
-        <a:font script="Hebr" typeface="Times New Roman"/>
-        <a:font script="Thai" typeface="Angsana New"/>
-        <a:font script="Ethi" typeface="Nyala"/>
-        <a:font script="Beng" typeface="Vrinda"/>
-        <a:font script="Gujr" typeface="Shruti"/>
-        <a:font script="Khmr" typeface="MoolBoran"/>
-        <a:font script="Knda" typeface="Tunga"/>
-        <a:font script="Guru" typeface="Raavi"/>
-        <a:font script="Cans" typeface="Euphemia"/>
-        <a:font script="Cher" typeface="Plantagenet Cherokee"/>
-        <a:font script="Yiii" typeface="Microsoft Yi Baiti"/>
-        <a:font script="Tibt" typeface="Microsoft Himalaya"/>
-        <a:font script="Thaa" typeface="MV Boli"/>
-        <a:font script="Deva" typeface="Mangal"/>
-        <a:font script="Telu" typeface="Gautami"/>
-        <a:font script="Taml" typeface="Latha"/>
-        <a:font script="Syrc" typeface="Estrangelo Edessa"/>
-        <a:font script="Orya" typeface="Kalinga"/>
-        <a:font script="Mlym" typeface="Kartika"/>
-        <a:font script="Laoo" typeface="DokChampa"/>
-        <a:font script="Sinh" typeface="Iskoola Pota"/>
-        <a:font script="Mong" typeface="Mongolian Baiti"/>
-        <a:font script="Viet" typeface="Times New Roman"/>
-        <a:font script="Uigh" typeface="Microsoft Uighur"/>
-        <a:font script="Geor" typeface="Sylfaen"/>
-      </a:majorFont>
-      <a:minorFont>
-        <a:latin typeface="Arial"/>
-        <a:ea typeface=""/>
-        <a:cs typeface=""/>
-        <a:font script="Jpan" typeface="ＭＳ Ｐゴシック"/>
-        <a:font script="Hang" typeface="맑은 고딕"/>
-        <a:font script="Hans" typeface="宋体"/>
-        <a:font script="Hant" typeface="新細明體"/>
-        <a:font script="Arab" typeface="Arial"/>
-        <a:font script="Hebr" typeface="Arial"/>
-        <a:font script="Thai" typeface="Cordia New"/>
-        <a:font script="Ethi" typeface="Nyala"/>
-        <a:font script="Beng" typeface="Vrinda"/>
-        <a:font script="Gujr" typeface="Shruti"/>
-        <a:font script="Khmr" typeface="DaunPenh"/>
-        <a:font script="Knda" typeface="Tunga"/>
-        <a:font script="Guru" typeface="Raavi"/>
-        <a:font script="Cans" typeface="Euphemia"/>
-        <a:font script="Cher" typeface="Plantagenet Cherokee"/>
-        <a:font script="Yiii" typeface="Microsoft Yi Baiti"/>
-        <a:font script="Tibt" typeface="Microsoft Himalaya"/>
-        <a:font script="Thaa" typeface="MV Boli"/>
-        <a:font script="Deva" typeface="Mangal"/>
-        <a:font script="Telu" typeface="Gautami"/>
-        <a:font script="Taml" typeface="Latha"/>
-        <a:font script="Syrc" typeface="Estrangelo Edessa"/>
-        <a:font script="Orya" typeface="Kalinga"/>
-        <a:font script="Mlym" typeface="Kartika"/>
-        <a:font script="Laoo" typeface="DokChampa"/>
-        <a:font script="Sinh" typeface="Iskoola Pota"/>
-        <a:font script="Mong" typeface="Mongolian Baiti"/>
-        <a:font script="Viet" typeface="Arial"/>
-        <a:font script="Uigh" typeface="Microsoft Uighur"/>
-        <a:font script="Geor" typeface="Sylfaen"/>
-      </a:minorFont>
-    </a:fontScheme>
-    <a:fmtScheme name="Office">
-      <a:fillStyleLst>
-        <a:solidFill>
-          <a:schemeClr val="phClr"/>
-        </a:solidFill>
-        <a:gradFill rotWithShape="1">
-          <a:gsLst>
-            <a:gs pos="0">
-              <a:schemeClr val="phClr">
-                <a:tint val="50000"/>
-                <a:satMod val="300000"/>
-              </a:schemeClr>
-            </a:gs>
-            <a:gs pos="35000">
-              <a:schemeClr val="phClr">
-                <a:tint val="37000"/>
-                <a:satMod val="300000"/>
-              </a:schemeClr>
-            </a:gs>
-            <a:gs pos="100000">
-              <a:schemeClr val="phClr">
-                <a:tint val="15000"/>
-                <a:satMod val="350000"/>
-              </a:schemeClr>
-            </a:gs>
-          </a:gsLst>
-          <a:lin ang="16200000" scaled="1"/>
-        </a:gradFill>
-        <a:gradFill rotWithShape="1">
-          <a:gsLst>
-            <a:gs pos="0">
-              <a:schemeClr val="phClr">
-                <a:tint val="100000"/>
-                <a:shade val="100000"/>
-                <a:satMod val="130000"/>
-              </a:schemeClr>
-            </a:gs>
-            <a:gs pos="100000">
-              <a:schemeClr val="phClr">
-                <a:tint val="50000"/>
-                <a:shade val="100000"/>
-                <a:satMod val="350000"/>
-              </a:schemeClr>
-            </a:gs>
-          </a:gsLst>
-          <a:lin ang="16200000" scaled="0"/>
-        </a:gradFill>
-      </a:fillStyleLst>
-      <a:lnStyleLst>
-        <a:ln w="9525" cap="flat" cmpd="sng" algn="ctr">
-          <a:solidFill>
-            <a:schemeClr val="phClr">
-              <a:shade val="95000"/>
-              <a:satMod val="105000"/>
-            </a:schemeClr>
-          </a:solidFill>
-          <a:prstDash val="solid"/>
-        </a:ln>
-        <a:ln w="25400" cap="flat" cmpd="sng" algn="ctr">
-          <a:solidFill>
-            <a:schemeClr val="phClr"/>
-          </a:solidFill>
-          <a:prstDash val="solid"/>
-        </a:ln>
-        <a:ln w="38100" cap="flat" cmpd="sng" algn="ctr">
-          <a:solidFill>
-            <a:schemeClr val="phClr"/>
-          </a:solidFill>
-          <a:prstDash val="solid"/>
-        </a:ln>
-      </a:lnStyleLst>
-      <a:effectStyleLst>
-        <a:effectStyle>
-          <a:effectLst>
-            <a:outerShdw blurRad="40000" dist="20000" dir="5400000" rotWithShape="0">
-              <a:srgbClr val="000000">
-                <a:alpha val="38000"/>
-              </a:srgbClr>
-            </a:outerShdw>
-          </a:effectLst>
-        </a:effectStyle>
-        <a:effectStyle>
-          <a:effectLst>
-            <a:outerShdw blurRad="40000" dist="23000" dir="5400000" rotWithShape="0">
-              <a:srgbClr val="000000">
-                <a:alpha val="35000"/>
-              </a:srgbClr>
-            </a:outerShdw>
-          </a:effectLst>
-        </a:effectStyle>
-        <a:effectStyle>
-          <a:effectLst>
-            <a:outerShdw blurRad="40000" dist="23000" dir="5400000" rotWithShape="0">
-              <a:srgbClr val="000000">
-                <a:alpha val="35000"/>
-              </a:srgbClr>
-            </a:outerShdw>
-          </a:effectLst>
-          <a:scene3d>
-            <a:camera prst="orthographicFront">
-              <a:rot lat="0" lon="0" rev="0"/>
-            </a:camera>
-            <a:lightRig rig="threePt" dir="t">
-              <a:rot lat="0" lon="0" rev="1200000"/>
-            </a:lightRig>
-          </a:scene3d>
-          <a:sp3d>
-            <a:bevelT w="63500" h="25400"/>
-          </a:sp3d>
-        </a:effectStyle>
-      </a:effectStyleLst>
-      <a:bgFillStyleLst>
-        <a:solidFill>
-          <a:schemeClr val="phClr"/>
-        </a:solidFill>
-        <a:gradFill rotWithShape="1">
-          <a:gsLst>
-            <a:gs pos="0">
-              <a:schemeClr val="phClr">
-                <a:tint val="40000"/>
-                <a:satMod val="350000"/>
-              </a:schemeClr>
-            </a:gs>
-            <a:gs pos="40000">
-              <a:schemeClr val="phClr">
-                <a:tint val="45000"/>
-                <a:shade val="99000"/>
-                <a:satMod val="350000"/>
-              </a:schemeClr>
-            </a:gs>
-            <a:gs pos="100000">
-              <a:schemeClr val="phClr">
-                <a:shade val="20000"/>
-                <a:satMod val="255000"/>
-              </a:schemeClr>
-            </a:gs>
-          </a:gsLst>
-          <a:path path="circle">
-            <a:fillToRect l="50000" t="-80000" r="50000" b="180000"/>
-          </a:path>
-        </a:gradFill>
-        <a:gradFill rotWithShape="1">
-          <a:gsLst>
-            <a:gs pos="0">
-              <a:schemeClr val="phClr">
-                <a:tint val="80000"/>
-                <a:satMod val="300000"/>
-              </a:schemeClr>
-            </a:gs>
-            <a:gs pos="100000">
-              <a:schemeClr val="phClr">
-                <a:shade val="30000"/>
-                <a:satMod val="200000"/>
-              </a:schemeClr>
-            </a:gs>
-          </a:gsLst>
-          <a:path path="circle">
-            <a:fillToRect l="50000" t="50000" r="50000" b="50000"/>
-          </a:path>
-        </a:gradFill>
-      </a:bgFillStyleLst>
-    </a:fmtScheme>
-  </a:themeElements>
-</a:theme>
 </file>
--- a/AstraZeneca.pptx
+++ b/AstraZeneca.pptx
@@ -24,30 +24,31 @@
     <p:sldId id="269" r:id="rId19"/>
     <p:sldId id="270" r:id="rId20"/>
     <p:sldId id="271" r:id="rId21"/>
+    <p:sldId id="272" r:id="rId22"/>
   </p:sldIdLst>
   <p:sldSz cy="5143500" cx="9144000"/>
   <p:notesSz cx="6858000" cy="9144000"/>
   <p:embeddedFontLst>
     <p:embeddedFont>
       <p:font typeface="Raleway"/>
-      <p:regular r:id="rId22"/>
-      <p:bold r:id="rId23"/>
-      <p:italic r:id="rId24"/>
-      <p:boldItalic r:id="rId25"/>
+      <p:regular r:id="rId23"/>
+      <p:bold r:id="rId24"/>
+      <p:italic r:id="rId25"/>
+      <p:boldItalic r:id="rId26"/>
     </p:embeddedFont>
     <p:embeddedFont>
       <p:font typeface="Roboto"/>
-      <p:regular r:id="rId26"/>
-      <p:bold r:id="rId27"/>
-      <p:italic r:id="rId28"/>
-      <p:boldItalic r:id="rId29"/>
+      <p:regular r:id="rId27"/>
+      <p:bold r:id="rId28"/>
+      <p:italic r:id="rId29"/>
+      <p:boldItalic r:id="rId30"/>
     </p:embeddedFont>
     <p:embeddedFont>
       <p:font typeface="Lato"/>
-      <p:regular r:id="rId30"/>
-      <p:bold r:id="rId31"/>
-      <p:italic r:id="rId32"/>
-      <p:boldItalic r:id="rId33"/>
+      <p:regular r:id="rId31"/>
+      <p:bold r:id="rId32"/>
+      <p:italic r:id="rId33"/>
+      <p:boldItalic r:id="rId34"/>
     </p:embeddedFont>
   </p:embeddedFontLst>
   <p:defaultTextStyle>
@@ -941,7 +942,7 @@
       </p:grpSpPr>
       <p:sp>
         <p:nvSpPr>
-          <p:cNvPr id="142" name="Google Shape;142;g89781aafd3_0_5:notes"/>
+          <p:cNvPr id="142" name="Google Shape;142;g888151c812_1_0:notes"/>
           <p:cNvSpPr/>
           <p:nvPr>
             <p:ph idx="2" type="sldImg"/>
@@ -976,7 +977,7 @@
       </p:sp>
       <p:sp>
         <p:nvSpPr>
-          <p:cNvPr id="143" name="Google Shape;143;g89781aafd3_0_5:notes"/>
+          <p:cNvPr id="143" name="Google Shape;143;g888151c812_1_0:notes"/>
           <p:cNvSpPr txBox="1"/>
           <p:nvPr>
             <p:ph idx="1" type="body"/>
@@ -1026,7 +1027,7 @@
   <p:cSld>
     <p:spTree>
       <p:nvGrpSpPr>
-        <p:cNvPr id="149" name="Shape 149"/>
+        <p:cNvPr id="147" name="Shape 147"/>
         <p:cNvGrpSpPr/>
         <p:nvPr/>
       </p:nvGrpSpPr>
@@ -1040,7 +1041,7 @@
       </p:grpSpPr>
       <p:sp>
         <p:nvSpPr>
-          <p:cNvPr id="150" name="Google Shape;150;g72329f2682_0_892:notes"/>
+          <p:cNvPr id="148" name="Google Shape;148;g89781aafd3_0_5:notes"/>
           <p:cNvSpPr/>
           <p:nvPr>
             <p:ph idx="2" type="sldImg"/>
@@ -1075,7 +1076,7 @@
       </p:sp>
       <p:sp>
         <p:nvSpPr>
-          <p:cNvPr id="151" name="Google Shape;151;g72329f2682_0_892:notes"/>
+          <p:cNvPr id="149" name="Google Shape;149;g89781aafd3_0_5:notes"/>
           <p:cNvSpPr txBox="1"/>
           <p:nvPr>
             <p:ph idx="1" type="body"/>
@@ -1125,7 +1126,7 @@
   <p:cSld>
     <p:spTree>
       <p:nvGrpSpPr>
-        <p:cNvPr id="157" name="Shape 157"/>
+        <p:cNvPr id="155" name="Shape 155"/>
         <p:cNvGrpSpPr/>
         <p:nvPr/>
       </p:nvGrpSpPr>
@@ -1139,7 +1140,7 @@
       </p:grpSpPr>
       <p:sp>
         <p:nvSpPr>
-          <p:cNvPr id="158" name="Google Shape;158;g896934e164_0_14:notes"/>
+          <p:cNvPr id="156" name="Google Shape;156;g72329f2682_0_892:notes"/>
           <p:cNvSpPr/>
           <p:nvPr>
             <p:ph idx="2" type="sldImg"/>
@@ -1174,7 +1175,7 @@
       </p:sp>
       <p:sp>
         <p:nvSpPr>
-          <p:cNvPr id="159" name="Google Shape;159;g896934e164_0_14:notes"/>
+          <p:cNvPr id="157" name="Google Shape;157;g72329f2682_0_892:notes"/>
           <p:cNvSpPr txBox="1"/>
           <p:nvPr>
             <p:ph idx="1" type="body"/>
@@ -1224,7 +1225,7 @@
   <p:cSld>
     <p:spTree>
       <p:nvGrpSpPr>
-        <p:cNvPr id="162" name="Shape 162"/>
+        <p:cNvPr id="163" name="Shape 163"/>
         <p:cNvGrpSpPr/>
         <p:nvPr/>
       </p:nvGrpSpPr>
@@ -1238,7 +1239,7 @@
       </p:grpSpPr>
       <p:sp>
         <p:nvSpPr>
-          <p:cNvPr id="163" name="Google Shape;163;g896934e164_0_21:notes"/>
+          <p:cNvPr id="164" name="Google Shape;164;g896934e164_0_14:notes"/>
           <p:cNvSpPr/>
           <p:nvPr>
             <p:ph idx="2" type="sldImg"/>
@@ -1273,7 +1274,7 @@
       </p:sp>
       <p:sp>
         <p:nvSpPr>
-          <p:cNvPr id="164" name="Google Shape;164;g896934e164_0_21:notes"/>
+          <p:cNvPr id="165" name="Google Shape;165;g896934e164_0_14:notes"/>
           <p:cNvSpPr txBox="1"/>
           <p:nvPr>
             <p:ph idx="1" type="body"/>
@@ -1323,7 +1324,7 @@
   <p:cSld>
     <p:spTree>
       <p:nvGrpSpPr>
-        <p:cNvPr id="167" name="Shape 167"/>
+        <p:cNvPr id="168" name="Shape 168"/>
         <p:cNvGrpSpPr/>
         <p:nvPr/>
       </p:nvGrpSpPr>
@@ -1337,7 +1338,7 @@
       </p:grpSpPr>
       <p:sp>
         <p:nvSpPr>
-          <p:cNvPr id="168" name="Google Shape;168;g72329f2682_0_653:notes"/>
+          <p:cNvPr id="169" name="Google Shape;169;g896934e164_0_21:notes"/>
           <p:cNvSpPr/>
           <p:nvPr>
             <p:ph idx="2" type="sldImg"/>
@@ -1372,7 +1373,7 @@
       </p:sp>
       <p:sp>
         <p:nvSpPr>
-          <p:cNvPr id="169" name="Google Shape;169;g72329f2682_0_653:notes"/>
+          <p:cNvPr id="170" name="Google Shape;170;g896934e164_0_21:notes"/>
           <p:cNvSpPr txBox="1"/>
           <p:nvPr>
             <p:ph idx="1" type="body"/>
@@ -1422,7 +1423,7 @@
   <p:cSld>
     <p:spTree>
       <p:nvGrpSpPr>
-        <p:cNvPr id="175" name="Shape 175"/>
+        <p:cNvPr id="173" name="Shape 173"/>
         <p:cNvGrpSpPr/>
         <p:nvPr/>
       </p:nvGrpSpPr>
@@ -1436,7 +1437,7 @@
       </p:grpSpPr>
       <p:sp>
         <p:nvSpPr>
-          <p:cNvPr id="176" name="Google Shape;176;g888151c812_0_2:notes"/>
+          <p:cNvPr id="174" name="Google Shape;174;g72329f2682_0_653:notes"/>
           <p:cNvSpPr/>
           <p:nvPr>
             <p:ph idx="2" type="sldImg"/>
@@ -1471,7 +1472,106 @@
       </p:sp>
       <p:sp>
         <p:nvSpPr>
-          <p:cNvPr id="177" name="Google Shape;177;g888151c812_0_2:notes"/>
+          <p:cNvPr id="175" name="Google Shape;175;g72329f2682_0_653:notes"/>
+          <p:cNvSpPr txBox="1"/>
+          <p:nvPr>
+            <p:ph idx="1" type="body"/>
+          </p:nvPr>
+        </p:nvSpPr>
+        <p:spPr>
+          <a:xfrm>
+            <a:off x="685800" y="4343400"/>
+            <a:ext cx="5486400" cy="4114800"/>
+          </a:xfrm>
+          <a:prstGeom prst="rect">
+            <a:avLst/>
+          </a:prstGeom>
+        </p:spPr>
+        <p:txBody>
+          <a:bodyPr anchorCtr="0" anchor="t" bIns="91425" lIns="91425" spcFirstLastPara="1" rIns="91425" wrap="square" tIns="91425">
+            <a:noAutofit/>
+          </a:bodyPr>
+          <a:lstStyle/>
+          <a:p>
+            <a:pPr indent="0" lvl="0" marL="0" rtl="0" algn="l">
+              <a:spcBef>
+                <a:spcPts val="0"/>
+              </a:spcBef>
+              <a:spcAft>
+                <a:spcPts val="0"/>
+              </a:spcAft>
+              <a:buNone/>
+            </a:pPr>
+            <a:r>
+              <a:t/>
+            </a:r>
+            <a:endParaRPr/>
+          </a:p>
+        </p:txBody>
+      </p:sp>
+    </p:spTree>
+  </p:cSld>
+  <p:clrMapOvr>
+    <a:masterClrMapping/>
+  </p:clrMapOvr>
+</p:notes>
+</file>
+
+<file path=ppt/notesSlides/notesSlide17.xml><?xml version="1.0" encoding="utf-8"?>
+<p:notes xmlns:a="http://schemas.openxmlformats.org/drawingml/2006/main" xmlns:r="http://schemas.openxmlformats.org/officeDocument/2006/relationships" xmlns:mc="http://schemas.openxmlformats.org/markup-compatibility/2006" xmlns:mv="urn:schemas-microsoft-com:mac:vml" xmlns:p="http://schemas.openxmlformats.org/presentationml/2006/main" xmlns:c="http://schemas.openxmlformats.org/drawingml/2006/chart" xmlns:dgm="http://schemas.openxmlformats.org/drawingml/2006/diagram" xmlns:o="urn:schemas-microsoft-com:office:office" xmlns:v="urn:schemas-microsoft-com:vml" xmlns:pvml="urn:schemas-microsoft-com:office:powerpoint" xmlns:com="http://schemas.openxmlformats.org/drawingml/2006/compatibility" xmlns:p14="http://schemas.microsoft.com/office/powerpoint/2010/main" xmlns:p15="http://schemas.microsoft.com/office/powerpoint/2012/main" showMasterPhAnim="0" showMasterSp="0">
+  <p:cSld>
+    <p:spTree>
+      <p:nvGrpSpPr>
+        <p:cNvPr id="181" name="Shape 181"/>
+        <p:cNvGrpSpPr/>
+        <p:nvPr/>
+      </p:nvGrpSpPr>
+      <p:grpSpPr>
+        <a:xfrm>
+          <a:off x="0" y="0"/>
+          <a:ext cx="0" cy="0"/>
+          <a:chOff x="0" y="0"/>
+          <a:chExt cx="0" cy="0"/>
+        </a:xfrm>
+      </p:grpSpPr>
+      <p:sp>
+        <p:nvSpPr>
+          <p:cNvPr id="182" name="Google Shape;182;g888151c812_0_2:notes"/>
+          <p:cNvSpPr/>
+          <p:nvPr>
+            <p:ph idx="2" type="sldImg"/>
+          </p:nvPr>
+        </p:nvSpPr>
+        <p:spPr>
+          <a:xfrm>
+            <a:off x="381300" y="685800"/>
+            <a:ext cx="6096000" cy="3429000"/>
+          </a:xfrm>
+          <a:custGeom>
+            <a:rect b="b" l="l" r="r" t="t"/>
+            <a:pathLst>
+              <a:path extrusionOk="0" h="120000" w="120000">
+                <a:moveTo>
+                  <a:pt x="0" y="0"/>
+                </a:moveTo>
+                <a:lnTo>
+                  <a:pt x="120000" y="0"/>
+                </a:lnTo>
+                <a:lnTo>
+                  <a:pt x="120000" y="120000"/>
+                </a:lnTo>
+                <a:lnTo>
+                  <a:pt x="0" y="120000"/>
+                </a:lnTo>
+                <a:close/>
+              </a:path>
+            </a:pathLst>
+          </a:custGeom>
+        </p:spPr>
+      </p:sp>
+      <p:sp>
+        <p:nvSpPr>
+          <p:cNvPr id="183" name="Google Shape;183;g888151c812_0_2:notes"/>
           <p:cNvSpPr txBox="1"/>
           <p:nvPr>
             <p:ph idx="1" type="body"/>
@@ -8491,7 +8591,15 @@
                   <a:schemeClr val="dk1"/>
                 </a:solidFill>
               </a:rPr>
-              <a:t>Signatures of sensorimotor integration</a:t>
+              <a:t>PCA</a:t>
+            </a:r>
+            <a:r>
+              <a:rPr lang="en">
+                <a:solidFill>
+                  <a:schemeClr val="dk1"/>
+                </a:solidFill>
+              </a:rPr>
+              <a:t> receptive fields</a:t>
             </a:r>
             <a:endParaRPr/>
           </a:p>
@@ -8513,64 +8621,8 @@
         </p:blipFill>
         <p:spPr>
           <a:xfrm>
-            <a:off x="539250" y="1057625"/>
-            <a:ext cx="3190010" cy="2314700"/>
-          </a:xfrm>
-          <a:prstGeom prst="rect">
-            <a:avLst/>
-          </a:prstGeom>
-          <a:noFill/>
-          <a:ln>
-            <a:noFill/>
-          </a:ln>
-        </p:spPr>
-      </p:pic>
-      <p:pic>
-        <p:nvPicPr>
-          <p:cNvPr id="147" name="Google Shape;147;p23"/>
-          <p:cNvPicPr preferRelativeResize="0"/>
-          <p:nvPr/>
-        </p:nvPicPr>
-        <p:blipFill>
-          <a:blip r:embed="rId4">
-            <a:alphaModFix/>
-          </a:blip>
-          <a:stretch>
-            <a:fillRect/>
-          </a:stretch>
-        </p:blipFill>
-        <p:spPr>
-          <a:xfrm>
-            <a:off x="990850" y="3296125"/>
-            <a:ext cx="2549125" cy="1699425"/>
-          </a:xfrm>
-          <a:prstGeom prst="rect">
-            <a:avLst/>
-          </a:prstGeom>
-          <a:noFill/>
-          <a:ln>
-            <a:noFill/>
-          </a:ln>
-        </p:spPr>
-      </p:pic>
-      <p:pic>
-        <p:nvPicPr>
-          <p:cNvPr id="148" name="Google Shape;148;p23"/>
-          <p:cNvPicPr preferRelativeResize="0"/>
-          <p:nvPr/>
-        </p:nvPicPr>
-        <p:blipFill>
-          <a:blip r:embed="rId5">
-            <a:alphaModFix/>
-          </a:blip>
-          <a:stretch>
-            <a:fillRect/>
-          </a:stretch>
-        </p:blipFill>
-        <p:spPr>
-          <a:xfrm>
-            <a:off x="3881660" y="1251300"/>
-            <a:ext cx="4505325" cy="3476625"/>
+            <a:off x="1131725" y="1495372"/>
+            <a:ext cx="6674026" cy="3048550"/>
           </a:xfrm>
           <a:prstGeom prst="rect">
             <a:avLst/>
@@ -8594,7 +8646,7 @@
   <p:cSld>
     <p:spTree>
       <p:nvGrpSpPr>
-        <p:cNvPr id="152" name="Shape 152"/>
+        <p:cNvPr id="150" name="Shape 150"/>
         <p:cNvGrpSpPr/>
         <p:nvPr/>
       </p:nvGrpSpPr>
@@ -8608,7 +8660,7 @@
       </p:grpSpPr>
       <p:sp>
         <p:nvSpPr>
-          <p:cNvPr id="153" name="Google Shape;153;p24"/>
+          <p:cNvPr id="151" name="Google Shape;151;p24"/>
           <p:cNvSpPr txBox="1"/>
           <p:nvPr>
             <p:ph idx="4294967295" type="title"/>
@@ -8644,7 +8696,7 @@
                   <a:schemeClr val="dk1"/>
                 </a:solidFill>
               </a:rPr>
-              <a:t>‘Behavior’ ensembles are spatially spread out, ‘Stimulus’ ensembles are localized</a:t>
+              <a:t>Signatures of sensorimotor integration</a:t>
             </a:r>
             <a:endParaRPr/>
           </a:p>
@@ -8652,7 +8704,7 @@
       </p:sp>
       <p:pic>
         <p:nvPicPr>
-          <p:cNvPr id="154" name="Google Shape;154;p24"/>
+          <p:cNvPr id="152" name="Google Shape;152;p24"/>
           <p:cNvPicPr preferRelativeResize="0"/>
           <p:nvPr/>
         </p:nvPicPr>
@@ -8666,8 +8718,8 @@
         </p:blipFill>
         <p:spPr>
           <a:xfrm>
-            <a:off x="2798788" y="2286238"/>
-            <a:ext cx="2756850" cy="1852043"/>
+            <a:off x="539250" y="1057625"/>
+            <a:ext cx="3190010" cy="2314700"/>
           </a:xfrm>
           <a:prstGeom prst="rect">
             <a:avLst/>
@@ -8680,7 +8732,7 @@
       </p:pic>
       <p:pic>
         <p:nvPicPr>
-          <p:cNvPr id="155" name="Google Shape;155;p24"/>
+          <p:cNvPr id="153" name="Google Shape;153;p24"/>
           <p:cNvPicPr preferRelativeResize="0"/>
           <p:nvPr/>
         </p:nvPicPr>
@@ -8694,8 +8746,8 @@
         </p:blipFill>
         <p:spPr>
           <a:xfrm>
-            <a:off x="5729550" y="2246488"/>
-            <a:ext cx="2875200" cy="1931550"/>
+            <a:off x="990850" y="3296125"/>
+            <a:ext cx="2549125" cy="1699425"/>
           </a:xfrm>
           <a:prstGeom prst="rect">
             <a:avLst/>
@@ -8708,7 +8760,7 @@
       </p:pic>
       <p:pic>
         <p:nvPicPr>
-          <p:cNvPr id="156" name="Google Shape;156;p24"/>
+          <p:cNvPr id="154" name="Google Shape;154;p24"/>
           <p:cNvPicPr preferRelativeResize="0"/>
           <p:nvPr/>
         </p:nvPicPr>
@@ -8722,8 +8774,8 @@
         </p:blipFill>
         <p:spPr>
           <a:xfrm>
-            <a:off x="75750" y="2362550"/>
-            <a:ext cx="2549125" cy="1699425"/>
+            <a:off x="3881660" y="1251300"/>
+            <a:ext cx="4505325" cy="3476625"/>
           </a:xfrm>
           <a:prstGeom prst="rect">
             <a:avLst/>
@@ -8747,7 +8799,7 @@
   <p:cSld>
     <p:spTree>
       <p:nvGrpSpPr>
-        <p:cNvPr id="160" name="Shape 160"/>
+        <p:cNvPr id="158" name="Shape 158"/>
         <p:cNvGrpSpPr/>
         <p:nvPr/>
       </p:nvGrpSpPr>
@@ -8759,9 +8811,53 @@
           <a:chExt cx="0" cy="0"/>
         </a:xfrm>
       </p:grpSpPr>
+      <p:sp>
+        <p:nvSpPr>
+          <p:cNvPr id="159" name="Google Shape;159;p25"/>
+          <p:cNvSpPr txBox="1"/>
+          <p:nvPr>
+            <p:ph idx="4294967295" type="title"/>
+          </p:nvPr>
+        </p:nvSpPr>
+        <p:spPr>
+          <a:xfrm>
+            <a:off x="539250" y="407100"/>
+            <a:ext cx="8065500" cy="768000"/>
+          </a:xfrm>
+          <a:prstGeom prst="rect">
+            <a:avLst/>
+          </a:prstGeom>
+        </p:spPr>
+        <p:txBody>
+          <a:bodyPr anchorCtr="0" anchor="t" bIns="91425" lIns="91425" spcFirstLastPara="1" rIns="91425" wrap="square" tIns="91425">
+            <a:noAutofit/>
+          </a:bodyPr>
+          <a:lstStyle/>
+          <a:p>
+            <a:pPr indent="0" lvl="0" marL="0" rtl="0" algn="l">
+              <a:spcBef>
+                <a:spcPts val="0"/>
+              </a:spcBef>
+              <a:spcAft>
+                <a:spcPts val="1600"/>
+              </a:spcAft>
+              <a:buNone/>
+            </a:pPr>
+            <a:r>
+              <a:rPr lang="en">
+                <a:solidFill>
+                  <a:schemeClr val="dk1"/>
+                </a:solidFill>
+              </a:rPr>
+              <a:t>‘Behavior’ ensembles are spatially spread out, ‘Stimulus’ ensembles are localized</a:t>
+            </a:r>
+            <a:endParaRPr/>
+          </a:p>
+        </p:txBody>
+      </p:sp>
       <p:pic>
         <p:nvPicPr>
-          <p:cNvPr id="161" name="Google Shape;161;p25"/>
+          <p:cNvPr id="160" name="Google Shape;160;p25"/>
           <p:cNvPicPr preferRelativeResize="0"/>
           <p:nvPr/>
         </p:nvPicPr>
@@ -8775,8 +8871,64 @@
         </p:blipFill>
         <p:spPr>
           <a:xfrm>
-            <a:off x="1487022" y="0"/>
-            <a:ext cx="6169958" cy="5143501"/>
+            <a:off x="2798788" y="2286238"/>
+            <a:ext cx="2756850" cy="1852043"/>
+          </a:xfrm>
+          <a:prstGeom prst="rect">
+            <a:avLst/>
+          </a:prstGeom>
+          <a:noFill/>
+          <a:ln>
+            <a:noFill/>
+          </a:ln>
+        </p:spPr>
+      </p:pic>
+      <p:pic>
+        <p:nvPicPr>
+          <p:cNvPr id="161" name="Google Shape;161;p25"/>
+          <p:cNvPicPr preferRelativeResize="0"/>
+          <p:nvPr/>
+        </p:nvPicPr>
+        <p:blipFill>
+          <a:blip r:embed="rId4">
+            <a:alphaModFix/>
+          </a:blip>
+          <a:stretch>
+            <a:fillRect/>
+          </a:stretch>
+        </p:blipFill>
+        <p:spPr>
+          <a:xfrm>
+            <a:off x="5729550" y="2246488"/>
+            <a:ext cx="2875200" cy="1931550"/>
+          </a:xfrm>
+          <a:prstGeom prst="rect">
+            <a:avLst/>
+          </a:prstGeom>
+          <a:noFill/>
+          <a:ln>
+            <a:noFill/>
+          </a:ln>
+        </p:spPr>
+      </p:pic>
+      <p:pic>
+        <p:nvPicPr>
+          <p:cNvPr id="162" name="Google Shape;162;p25"/>
+          <p:cNvPicPr preferRelativeResize="0"/>
+          <p:nvPr/>
+        </p:nvPicPr>
+        <p:blipFill>
+          <a:blip r:embed="rId5">
+            <a:alphaModFix/>
+          </a:blip>
+          <a:stretch>
+            <a:fillRect/>
+          </a:stretch>
+        </p:blipFill>
+        <p:spPr>
+          <a:xfrm>
+            <a:off x="75750" y="2362550"/>
+            <a:ext cx="2549125" cy="1699425"/>
           </a:xfrm>
           <a:prstGeom prst="rect">
             <a:avLst/>
@@ -8800,7 +8952,7 @@
   <p:cSld>
     <p:spTree>
       <p:nvGrpSpPr>
-        <p:cNvPr id="165" name="Shape 165"/>
+        <p:cNvPr id="166" name="Shape 166"/>
         <p:cNvGrpSpPr/>
         <p:nvPr/>
       </p:nvGrpSpPr>
@@ -8814,7 +8966,7 @@
       </p:grpSpPr>
       <p:pic>
         <p:nvPicPr>
-          <p:cNvPr id="166" name="Google Shape;166;p26"/>
+          <p:cNvPr id="167" name="Google Shape;167;p26"/>
           <p:cNvPicPr preferRelativeResize="0"/>
           <p:nvPr/>
         </p:nvPicPr>
@@ -8828,8 +8980,8 @@
         </p:blipFill>
         <p:spPr>
           <a:xfrm>
-            <a:off x="997000" y="152400"/>
-            <a:ext cx="7503493" cy="4838701"/>
+            <a:off x="1487022" y="0"/>
+            <a:ext cx="6169958" cy="5143501"/>
           </a:xfrm>
           <a:prstGeom prst="rect">
             <a:avLst/>
@@ -8851,16 +9003,9 @@
 <file path=ppt/slides/slide15.xml><?xml version="1.0" encoding="utf-8"?>
 <p:sld xmlns:a="http://schemas.openxmlformats.org/drawingml/2006/main" xmlns:r="http://schemas.openxmlformats.org/officeDocument/2006/relationships" xmlns:mc="http://schemas.openxmlformats.org/markup-compatibility/2006" xmlns:mv="urn:schemas-microsoft-com:mac:vml" xmlns:p="http://schemas.openxmlformats.org/presentationml/2006/main" xmlns:c="http://schemas.openxmlformats.org/drawingml/2006/chart" xmlns:dgm="http://schemas.openxmlformats.org/drawingml/2006/diagram" xmlns:o="urn:schemas-microsoft-com:office:office" xmlns:v="urn:schemas-microsoft-com:vml" xmlns:pvml="urn:schemas-microsoft-com:office:powerpoint" xmlns:com="http://schemas.openxmlformats.org/drawingml/2006/compatibility" xmlns:p14="http://schemas.microsoft.com/office/powerpoint/2010/main" xmlns:p15="http://schemas.microsoft.com/office/powerpoint/2012/main">
   <p:cSld>
-    <p:bg>
-      <p:bgPr>
-        <a:solidFill>
-          <a:schemeClr val="dk1"/>
-        </a:solidFill>
-      </p:bgPr>
-    </p:bg>
     <p:spTree>
       <p:nvGrpSpPr>
-        <p:cNvPr id="170" name="Shape 170"/>
+        <p:cNvPr id="171" name="Shape 171"/>
         <p:cNvGrpSpPr/>
         <p:nvPr/>
       </p:nvGrpSpPr>
@@ -8874,7 +9019,7 @@
       </p:grpSpPr>
       <p:pic>
         <p:nvPicPr>
-          <p:cNvPr id="171" name="Google Shape;171;p27"/>
+          <p:cNvPr id="172" name="Google Shape;172;p27"/>
           <p:cNvPicPr preferRelativeResize="0"/>
           <p:nvPr/>
         </p:nvPicPr>
@@ -8888,8 +9033,8 @@
         </p:blipFill>
         <p:spPr>
           <a:xfrm>
-            <a:off x="2444700" y="162737"/>
-            <a:ext cx="4254600" cy="4818038"/>
+            <a:off x="997000" y="152400"/>
+            <a:ext cx="7503493" cy="4838701"/>
           </a:xfrm>
           <a:prstGeom prst="rect">
             <a:avLst/>
@@ -8900,9 +9045,69 @@
           </a:ln>
         </p:spPr>
       </p:pic>
+    </p:spTree>
+  </p:cSld>
+  <p:clrMapOvr>
+    <a:masterClrMapping/>
+  </p:clrMapOvr>
+</p:sld>
+</file>
+
+<file path=ppt/slides/slide16.xml><?xml version="1.0" encoding="utf-8"?>
+<p:sld xmlns:a="http://schemas.openxmlformats.org/drawingml/2006/main" xmlns:r="http://schemas.openxmlformats.org/officeDocument/2006/relationships" xmlns:mc="http://schemas.openxmlformats.org/markup-compatibility/2006" xmlns:mv="urn:schemas-microsoft-com:mac:vml" xmlns:p="http://schemas.openxmlformats.org/presentationml/2006/main" xmlns:c="http://schemas.openxmlformats.org/drawingml/2006/chart" xmlns:dgm="http://schemas.openxmlformats.org/drawingml/2006/diagram" xmlns:o="urn:schemas-microsoft-com:office:office" xmlns:v="urn:schemas-microsoft-com:vml" xmlns:pvml="urn:schemas-microsoft-com:office:powerpoint" xmlns:com="http://schemas.openxmlformats.org/drawingml/2006/compatibility" xmlns:p14="http://schemas.microsoft.com/office/powerpoint/2010/main" xmlns:p15="http://schemas.microsoft.com/office/powerpoint/2012/main">
+  <p:cSld>
+    <p:bg>
+      <p:bgPr>
+        <a:solidFill>
+          <a:schemeClr val="dk1"/>
+        </a:solidFill>
+      </p:bgPr>
+    </p:bg>
+    <p:spTree>
+      <p:nvGrpSpPr>
+        <p:cNvPr id="176" name="Shape 176"/>
+        <p:cNvGrpSpPr/>
+        <p:nvPr/>
+      </p:nvGrpSpPr>
+      <p:grpSpPr>
+        <a:xfrm>
+          <a:off x="0" y="0"/>
+          <a:ext cx="0" cy="0"/>
+          <a:chOff x="0" y="0"/>
+          <a:chExt cx="0" cy="0"/>
+        </a:xfrm>
+      </p:grpSpPr>
       <p:pic>
         <p:nvPicPr>
-          <p:cNvPr descr="Piece of duct tape sticking a note to the slide" id="172" name="Google Shape;172;p27"/>
+          <p:cNvPr id="177" name="Google Shape;177;p28"/>
+          <p:cNvPicPr preferRelativeResize="0"/>
+          <p:nvPr/>
+        </p:nvPicPr>
+        <p:blipFill>
+          <a:blip r:embed="rId3">
+            <a:alphaModFix/>
+          </a:blip>
+          <a:stretch>
+            <a:fillRect/>
+          </a:stretch>
+        </p:blipFill>
+        <p:spPr>
+          <a:xfrm>
+            <a:off x="2444700" y="162737"/>
+            <a:ext cx="4254600" cy="4818038"/>
+          </a:xfrm>
+          <a:prstGeom prst="rect">
+            <a:avLst/>
+          </a:prstGeom>
+          <a:noFill/>
+          <a:ln>
+            <a:noFill/>
+          </a:ln>
+        </p:spPr>
+      </p:pic>
+      <p:pic>
+        <p:nvPicPr>
+          <p:cNvPr descr="Piece of duct tape sticking a note to the slide" id="178" name="Google Shape;178;p28"/>
           <p:cNvPicPr preferRelativeResize="0"/>
           <p:nvPr/>
         </p:nvPicPr>
@@ -8929,7 +9134,7 @@
       </p:pic>
       <p:sp>
         <p:nvSpPr>
-          <p:cNvPr id="173" name="Google Shape;173;p27"/>
+          <p:cNvPr id="179" name="Google Shape;179;p28"/>
           <p:cNvSpPr txBox="1"/>
           <p:nvPr/>
         </p:nvSpPr>
@@ -8987,7 +9192,7 @@
       </p:sp>
       <p:sp>
         <p:nvSpPr>
-          <p:cNvPr id="174" name="Google Shape;174;p27"/>
+          <p:cNvPr id="180" name="Google Shape;180;p28"/>
           <p:cNvSpPr txBox="1"/>
           <p:nvPr>
             <p:ph idx="4294967295" type="body"/>
@@ -9150,12 +9355,12 @@
 </p:sld>
 </file>
 
-<file path=ppt/slides/slide16.xml><?xml version="1.0" encoding="utf-8"?>
+<file path=ppt/slides/slide17.xml><?xml version="1.0" encoding="utf-8"?>
 <p:sld xmlns:a="http://schemas.openxmlformats.org/drawingml/2006/main" xmlns:r="http://schemas.openxmlformats.org/officeDocument/2006/relationships" xmlns:mc="http://schemas.openxmlformats.org/markup-compatibility/2006" xmlns:mv="urn:schemas-microsoft-com:mac:vml" xmlns:p="http://schemas.openxmlformats.org/presentationml/2006/main" xmlns:c="http://schemas.openxmlformats.org/drawingml/2006/chart" xmlns:dgm="http://schemas.openxmlformats.org/drawingml/2006/diagram" xmlns:o="urn:schemas-microsoft-com:office:office" xmlns:v="urn:schemas-microsoft-com:vml" xmlns:pvml="urn:schemas-microsoft-com:office:powerpoint" xmlns:com="http://schemas.openxmlformats.org/drawingml/2006/compatibility" xmlns:p14="http://schemas.microsoft.com/office/powerpoint/2010/main" xmlns:p15="http://schemas.microsoft.com/office/powerpoint/2012/main">
   <p:cSld>
     <p:spTree>
       <p:nvGrpSpPr>
-        <p:cNvPr id="178" name="Shape 178"/>
+        <p:cNvPr id="184" name="Shape 184"/>
         <p:cNvGrpSpPr/>
         <p:nvPr/>
       </p:nvGrpSpPr>
@@ -9169,7 +9374,7 @@
       </p:grpSpPr>
       <p:pic>
         <p:nvPicPr>
-          <p:cNvPr id="179" name="Google Shape;179;p28"/>
+          <p:cNvPr id="185" name="Google Shape;185;p29"/>
           <p:cNvPicPr preferRelativeResize="0"/>
           <p:nvPr/>
         </p:nvPicPr>
@@ -9197,7 +9402,7 @@
       </p:pic>
       <p:pic>
         <p:nvPicPr>
-          <p:cNvPr id="180" name="Google Shape;180;p28"/>
+          <p:cNvPr id="186" name="Google Shape;186;p29"/>
           <p:cNvPicPr preferRelativeResize="0"/>
           <p:nvPr/>
         </p:nvPicPr>
@@ -11401,6 +11606,285 @@
 </file>
 
 <file path=ppt/theme/theme1.xml><?xml version="1.0" encoding="utf-8"?>
+<a:theme xmlns:a="http://schemas.openxmlformats.org/drawingml/2006/main" xmlns:r="http://schemas.openxmlformats.org/officeDocument/2006/relationships">
+  <a:themeElements>
+    <a:clrScheme name="Default">
+      <a:dk1>
+        <a:srgbClr val="000000"/>
+      </a:dk1>
+      <a:lt1>
+        <a:srgbClr val="FFFFFF"/>
+      </a:lt1>
+      <a:dk2>
+        <a:srgbClr val="158158"/>
+      </a:dk2>
+      <a:lt2>
+        <a:srgbClr val="F3F3F3"/>
+      </a:lt2>
+      <a:accent1>
+        <a:srgbClr val="058DC7"/>
+      </a:accent1>
+      <a:accent2>
+        <a:srgbClr val="50B432"/>
+      </a:accent2>
+      <a:accent3>
+        <a:srgbClr val="ED561B"/>
+      </a:accent3>
+      <a:accent4>
+        <a:srgbClr val="EDEF00"/>
+      </a:accent4>
+      <a:accent5>
+        <a:srgbClr val="24CBE5"/>
+      </a:accent5>
+      <a:accent6>
+        <a:srgbClr val="64E572"/>
+      </a:accent6>
+      <a:hlink>
+        <a:srgbClr val="2200CC"/>
+      </a:hlink>
+      <a:folHlink>
+        <a:srgbClr val="551A8B"/>
+      </a:folHlink>
+    </a:clrScheme>
+    <a:fontScheme name="Office">
+      <a:majorFont>
+        <a:latin typeface="Arial"/>
+        <a:ea typeface=""/>
+        <a:cs typeface=""/>
+        <a:font script="Jpan" typeface="ＭＳ Ｐゴシック"/>
+        <a:font script="Hang" typeface="맑은 고딕"/>
+        <a:font script="Hans" typeface="宋体"/>
+        <a:font script="Hant" typeface="新細明體"/>
+        <a:font script="Arab" typeface="Times New Roman"/>
+        <a:font script="Hebr" typeface="Times New Roman"/>
+        <a:font script="Thai" typeface="Angsana New"/>
+        <a:font script="Ethi" typeface="Nyala"/>
+        <a:font script="Beng" typeface="Vrinda"/>
+        <a:font script="Gujr" typeface="Shruti"/>
+        <a:font script="Khmr" typeface="MoolBoran"/>
+        <a:font script="Knda" typeface="Tunga"/>
+        <a:font script="Guru" typeface="Raavi"/>
+        <a:font script="Cans" typeface="Euphemia"/>
+        <a:font script="Cher" typeface="Plantagenet Cherokee"/>
+        <a:font script="Yiii" typeface="Microsoft Yi Baiti"/>
+        <a:font script="Tibt" typeface="Microsoft Himalaya"/>
+        <a:font script="Thaa" typeface="MV Boli"/>
+        <a:font script="Deva" typeface="Mangal"/>
+        <a:font script="Telu" typeface="Gautami"/>
+        <a:font script="Taml" typeface="Latha"/>
+        <a:font script="Syrc" typeface="Estrangelo Edessa"/>
+        <a:font script="Orya" typeface="Kalinga"/>
+        <a:font script="Mlym" typeface="Kartika"/>
+        <a:font script="Laoo" typeface="DokChampa"/>
+        <a:font script="Sinh" typeface="Iskoola Pota"/>
+        <a:font script="Mong" typeface="Mongolian Baiti"/>
+        <a:font script="Viet" typeface="Times New Roman"/>
+        <a:font script="Uigh" typeface="Microsoft Uighur"/>
+        <a:font script="Geor" typeface="Sylfaen"/>
+      </a:majorFont>
+      <a:minorFont>
+        <a:latin typeface="Arial"/>
+        <a:ea typeface=""/>
+        <a:cs typeface=""/>
+        <a:font script="Jpan" typeface="ＭＳ Ｐゴシック"/>
+        <a:font script="Hang" typeface="맑은 고딕"/>
+        <a:font script="Hans" typeface="宋体"/>
+        <a:font script="Hant" typeface="新細明體"/>
+        <a:font script="Arab" typeface="Arial"/>
+        <a:font script="Hebr" typeface="Arial"/>
+        <a:font script="Thai" typeface="Cordia New"/>
+        <a:font script="Ethi" typeface="Nyala"/>
+        <a:font script="Beng" typeface="Vrinda"/>
+        <a:font script="Gujr" typeface="Shruti"/>
+        <a:font script="Khmr" typeface="DaunPenh"/>
+        <a:font script="Knda" typeface="Tunga"/>
+        <a:font script="Guru" typeface="Raavi"/>
+        <a:font script="Cans" typeface="Euphemia"/>
+        <a:font script="Cher" typeface="Plantagenet Cherokee"/>
+        <a:font script="Yiii" typeface="Microsoft Yi Baiti"/>
+        <a:font script="Tibt" typeface="Microsoft Himalaya"/>
+        <a:font script="Thaa" typeface="MV Boli"/>
+        <a:font script="Deva" typeface="Mangal"/>
+        <a:font script="Telu" typeface="Gautami"/>
+        <a:font script="Taml" typeface="Latha"/>
+        <a:font script="Syrc" typeface="Estrangelo Edessa"/>
+        <a:font script="Orya" typeface="Kalinga"/>
+        <a:font script="Mlym" typeface="Kartika"/>
+        <a:font script="Laoo" typeface="DokChampa"/>
+        <a:font script="Sinh" typeface="Iskoola Pota"/>
+        <a:font script="Mong" typeface="Mongolian Baiti"/>
+        <a:font script="Viet" typeface="Arial"/>
+        <a:font script="Uigh" typeface="Microsoft Uighur"/>
+        <a:font script="Geor" typeface="Sylfaen"/>
+      </a:minorFont>
+    </a:fontScheme>
+    <a:fmtScheme name="Office">
+      <a:fillStyleLst>
+        <a:solidFill>
+          <a:schemeClr val="phClr"/>
+        </a:solidFill>
+        <a:gradFill rotWithShape="1">
+          <a:gsLst>
+            <a:gs pos="0">
+              <a:schemeClr val="phClr">
+                <a:tint val="50000"/>
+                <a:satMod val="300000"/>
+              </a:schemeClr>
+            </a:gs>
+            <a:gs pos="35000">
+              <a:schemeClr val="phClr">
+                <a:tint val="37000"/>
+                <a:satMod val="300000"/>
+              </a:schemeClr>
+            </a:gs>
+            <a:gs pos="100000">
+              <a:schemeClr val="phClr">
+                <a:tint val="15000"/>
+                <a:satMod val="350000"/>
+              </a:schemeClr>
+            </a:gs>
+          </a:gsLst>
+          <a:lin ang="16200000" scaled="1"/>
+        </a:gradFill>
+        <a:gradFill rotWithShape="1">
+          <a:gsLst>
+            <a:gs pos="0">
+              <a:schemeClr val="phClr">
+                <a:tint val="100000"/>
+                <a:shade val="100000"/>
+                <a:satMod val="130000"/>
+              </a:schemeClr>
+            </a:gs>
+            <a:gs pos="100000">
+              <a:schemeClr val="phClr">
+                <a:tint val="50000"/>
+                <a:shade val="100000"/>
+                <a:satMod val="350000"/>
+              </a:schemeClr>
+            </a:gs>
+          </a:gsLst>
+          <a:lin ang="16200000" scaled="0"/>
+        </a:gradFill>
+      </a:fillStyleLst>
+      <a:lnStyleLst>
+        <a:ln w="9525" cap="flat" cmpd="sng" algn="ctr">
+          <a:solidFill>
+            <a:schemeClr val="phClr">
+              <a:shade val="95000"/>
+              <a:satMod val="105000"/>
+            </a:schemeClr>
+          </a:solidFill>
+          <a:prstDash val="solid"/>
+        </a:ln>
+        <a:ln w="25400" cap="flat" cmpd="sng" algn="ctr">
+          <a:solidFill>
+            <a:schemeClr val="phClr"/>
+          </a:solidFill>
+          <a:prstDash val="solid"/>
+        </a:ln>
+        <a:ln w="38100" cap="flat" cmpd="sng" algn="ctr">
+          <a:solidFill>
+            <a:schemeClr val="phClr"/>
+          </a:solidFill>
+          <a:prstDash val="solid"/>
+        </a:ln>
+      </a:lnStyleLst>
+      <a:effectStyleLst>
+        <a:effectStyle>
+          <a:effectLst>
+            <a:outerShdw blurRad="40000" dist="20000" dir="5400000" rotWithShape="0">
+              <a:srgbClr val="000000">
+                <a:alpha val="38000"/>
+              </a:srgbClr>
+            </a:outerShdw>
+          </a:effectLst>
+        </a:effectStyle>
+        <a:effectStyle>
+          <a:effectLst>
+            <a:outerShdw blurRad="40000" dist="23000" dir="5400000" rotWithShape="0">
+              <a:srgbClr val="000000">
+                <a:alpha val="35000"/>
+              </a:srgbClr>
+            </a:outerShdw>
+          </a:effectLst>
+        </a:effectStyle>
+        <a:effectStyle>
+          <a:effectLst>
+            <a:outerShdw blurRad="40000" dist="23000" dir="5400000" rotWithShape="0">
+              <a:srgbClr val="000000">
+                <a:alpha val="35000"/>
+              </a:srgbClr>
+            </a:outerShdw>
+          </a:effectLst>
+          <a:scene3d>
+            <a:camera prst="orthographicFront">
+              <a:rot lat="0" lon="0" rev="0"/>
+            </a:camera>
+            <a:lightRig rig="threePt" dir="t">
+              <a:rot lat="0" lon="0" rev="1200000"/>
+            </a:lightRig>
+          </a:scene3d>
+          <a:sp3d>
+            <a:bevelT w="63500" h="25400"/>
+          </a:sp3d>
+        </a:effectStyle>
+      </a:effectStyleLst>
+      <a:bgFillStyleLst>
+        <a:solidFill>
+          <a:schemeClr val="phClr"/>
+        </a:solidFill>
+        <a:gradFill rotWithShape="1">
+          <a:gsLst>
+            <a:gs pos="0">
+              <a:schemeClr val="phClr">
+                <a:tint val="40000"/>
+                <a:satMod val="350000"/>
+              </a:schemeClr>
+            </a:gs>
+            <a:gs pos="40000">
+              <a:schemeClr val="phClr">
+                <a:tint val="45000"/>
+                <a:shade val="99000"/>
+                <a:satMod val="350000"/>
+              </a:schemeClr>
+            </a:gs>
+            <a:gs pos="100000">
+              <a:schemeClr val="phClr">
+                <a:shade val="20000"/>
+                <a:satMod val="255000"/>
+              </a:schemeClr>
+            </a:gs>
+          </a:gsLst>
+          <a:path path="circle">
+            <a:fillToRect l="50000" t="-80000" r="50000" b="180000"/>
+          </a:path>
+        </a:gradFill>
+        <a:gradFill rotWithShape="1">
+          <a:gsLst>
+            <a:gs pos="0">
+              <a:schemeClr val="phClr">
+                <a:tint val="80000"/>
+                <a:satMod val="300000"/>
+              </a:schemeClr>
+            </a:gs>
+            <a:gs pos="100000">
+              <a:schemeClr val="phClr">
+                <a:shade val="30000"/>
+                <a:satMod val="200000"/>
+              </a:schemeClr>
+            </a:gs>
+          </a:gsLst>
+          <a:path path="circle">
+            <a:fillToRect l="50000" t="50000" r="50000" b="50000"/>
+          </a:path>
+        </a:gradFill>
+      </a:bgFillStyleLst>
+    </a:fmtScheme>
+  </a:themeElements>
+</a:theme>
+</file>
+
+<file path=ppt/theme/theme2.xml><?xml version="1.0" encoding="utf-8"?>
 <a:theme xmlns:a="http://schemas.openxmlformats.org/drawingml/2006/main" xmlns:r="http://schemas.openxmlformats.org/officeDocument/2006/relationships" name="Swiss">
   <a:themeElements>
     <a:clrScheme name="Swiss">
@@ -11677,283 +12161,4 @@
     </a:fmtScheme>
   </a:themeElements>
 </a:theme>
-</file>
-
-<file path=ppt/theme/theme2.xml><?xml version="1.0" encoding="utf-8"?>
-<a:theme xmlns:a="http://schemas.openxmlformats.org/drawingml/2006/main" xmlns:r="http://schemas.openxmlformats.org/officeDocument/2006/relationships">
-  <a:themeElements>
-    <a:clrScheme name="Default">
-      <a:dk1>
-        <a:srgbClr val="000000"/>
-      </a:dk1>
-      <a:lt1>
-        <a:srgbClr val="FFFFFF"/>
-      </a:lt1>
-      <a:dk2>
-        <a:srgbClr val="158158"/>
-      </a:dk2>
-      <a:lt2>
-        <a:srgbClr val="F3F3F3"/>
-      </a:lt2>
-      <a:accent1>
-        <a:srgbClr val="058DC7"/>
-      </a:accent1>
-      <a:accent2>
-        <a:srgbClr val="50B432"/>
-      </a:accent2>
-      <a:accent3>
-        <a:srgbClr val="ED561B"/>
-      </a:accent3>
-      <a:accent4>
-        <a:srgbClr val="EDEF00"/>
-      </a:accent4>
-      <a:accent5>
-        <a:srgbClr val="24CBE5"/>
-      </a:accent5>
-      <a:accent6>
-        <a:srgbClr val="64E572"/>
-      </a:accent6>
-      <a:hlink>
-        <a:srgbClr val="2200CC"/>
-      </a:hlink>
-      <a:folHlink>
-        <a:srgbClr val="551A8B"/>
-      </a:folHlink>
-    </a:clrScheme>
-    <a:fontScheme name="Office">
-      <a:majorFont>
-        <a:latin typeface="Arial"/>
-        <a:ea typeface=""/>
-        <a:cs typeface=""/>
-        <a:font script="Jpan" typeface="ＭＳ Ｐゴシック"/>
-        <a:font script="Hang" typeface="맑은 고딕"/>
-        <a:font script="Hans" typeface="宋体"/>
-        <a:font script="Hant" typeface="新細明體"/>
-        <a:font script="Arab" typeface="Times New Roman"/>
-        <a:font script="Hebr" typeface="Times New Roman"/>
-        <a:font script="Thai" typeface="Angsana New"/>
-        <a:font script="Ethi" typeface="Nyala"/>
-        <a:font script="Beng" typeface="Vrinda"/>
-        <a:font script="Gujr" typeface="Shruti"/>
-        <a:font script="Khmr" typeface="MoolBoran"/>
-        <a:font script="Knda" typeface="Tunga"/>
-        <a:font script="Guru" typeface="Raavi"/>
-        <a:font script="Cans" typeface="Euphemia"/>
-        <a:font script="Cher" typeface="Plantagenet Cherokee"/>
-        <a:font script="Yiii" typeface="Microsoft Yi Baiti"/>
-        <a:font script="Tibt" typeface="Microsoft Himalaya"/>
-        <a:font script="Thaa" typeface="MV Boli"/>
-        <a:font script="Deva" typeface="Mangal"/>
-        <a:font script="Telu" typeface="Gautami"/>
-        <a:font script="Taml" typeface="Latha"/>
-        <a:font script="Syrc" typeface="Estrangelo Edessa"/>
-        <a:font script="Orya" typeface="Kalinga"/>
-        <a:font script="Mlym" typeface="Kartika"/>
-        <a:font script="Laoo" typeface="DokChampa"/>
-        <a:font script="Sinh" typeface="Iskoola Pota"/>
-        <a:font script="Mong" typeface="Mongolian Baiti"/>
-        <a:font script="Viet" typeface="Times New Roman"/>
-        <a:font script="Uigh" typeface="Microsoft Uighur"/>
-        <a:font script="Geor" typeface="Sylfaen"/>
-      </a:majorFont>
-      <a:minorFont>
-        <a:latin typeface="Arial"/>
-        <a:ea typeface=""/>
-        <a:cs typeface=""/>
-        <a:font script="Jpan" typeface="ＭＳ Ｐゴシック"/>
-        <a:font script="Hang" typeface="맑은 고딕"/>
-        <a:font script="Hans" typeface="宋体"/>
-        <a:font script="Hant" typeface="新細明體"/>
-        <a:font script="Arab" typeface="Arial"/>
-        <a:font script="Hebr" typeface="Arial"/>
-        <a:font script="Thai" typeface="Cordia New"/>
-        <a:font script="Ethi" typeface="Nyala"/>
-        <a:font script="Beng" typeface="Vrinda"/>
-        <a:font script="Gujr" typeface="Shruti"/>
-        <a:font script="Khmr" typeface="DaunPenh"/>
-        <a:font script="Knda" typeface="Tunga"/>
-        <a:font script="Guru" typeface="Raavi"/>
-        <a:font script="Cans" typeface="Euphemia"/>
-        <a:font script="Cher" typeface="Plantagenet Cherokee"/>
-        <a:font script="Yiii" typeface="Microsoft Yi Baiti"/>
-        <a:font script="Tibt" typeface="Microsoft Himalaya"/>
-        <a:font script="Thaa" typeface="MV Boli"/>
-        <a:font script="Deva" typeface="Mangal"/>
-        <a:font script="Telu" typeface="Gautami"/>
-        <a:font script="Taml" typeface="Latha"/>
-        <a:font script="Syrc" typeface="Estrangelo Edessa"/>
-        <a:font script="Orya" typeface="Kalinga"/>
-        <a:font script="Mlym" typeface="Kartika"/>
-        <a:font script="Laoo" typeface="DokChampa"/>
-        <a:font script="Sinh" typeface="Iskoola Pota"/>
-        <a:font script="Mong" typeface="Mongolian Baiti"/>
-        <a:font script="Viet" typeface="Arial"/>
-        <a:font script="Uigh" typeface="Microsoft Uighur"/>
-        <a:font script="Geor" typeface="Sylfaen"/>
-      </a:minorFont>
-    </a:fontScheme>
-    <a:fmtScheme name="Office">
-      <a:fillStyleLst>
-        <a:solidFill>
-          <a:schemeClr val="phClr"/>
-        </a:solidFill>
-        <a:gradFill rotWithShape="1">
-          <a:gsLst>
-            <a:gs pos="0">
-              <a:schemeClr val="phClr">
-                <a:tint val="50000"/>
-                <a:satMod val="300000"/>
-              </a:schemeClr>
-            </a:gs>
-            <a:gs pos="35000">
-              <a:schemeClr val="phClr">
-                <a:tint val="37000"/>
-                <a:satMod val="300000"/>
-              </a:schemeClr>
-            </a:gs>
-            <a:gs pos="100000">
-              <a:schemeClr val="phClr">
-                <a:tint val="15000"/>
-                <a:satMod val="350000"/>
-              </a:schemeClr>
-            </a:gs>
-          </a:gsLst>
-          <a:lin ang="16200000" scaled="1"/>
-        </a:gradFill>
-        <a:gradFill rotWithShape="1">
-          <a:gsLst>
-            <a:gs pos="0">
-              <a:schemeClr val="phClr">
-                <a:tint val="100000"/>
-                <a:shade val="100000"/>
-                <a:satMod val="130000"/>
-              </a:schemeClr>
-            </a:gs>
-            <a:gs pos="100000">
-              <a:schemeClr val="phClr">
-                <a:tint val="50000"/>
-                <a:shade val="100000"/>
-                <a:satMod val="350000"/>
-              </a:schemeClr>
-            </a:gs>
-          </a:gsLst>
-          <a:lin ang="16200000" scaled="0"/>
-        </a:gradFill>
-      </a:fillStyleLst>
-      <a:lnStyleLst>
-        <a:ln w="9525" cap="flat" cmpd="sng" algn="ctr">
-          <a:solidFill>
-            <a:schemeClr val="phClr">
-              <a:shade val="95000"/>
-              <a:satMod val="105000"/>
-            </a:schemeClr>
-          </a:solidFill>
-          <a:prstDash val="solid"/>
-        </a:ln>
-        <a:ln w="25400" cap="flat" cmpd="sng" algn="ctr">
-          <a:solidFill>
-            <a:schemeClr val="phClr"/>
-          </a:solidFill>
-          <a:prstDash val="solid"/>
-        </a:ln>
-        <a:ln w="38100" cap="flat" cmpd="sng" algn="ctr">
-          <a:solidFill>
-            <a:schemeClr val="phClr"/>
-          </a:solidFill>
-          <a:prstDash val="solid"/>
-        </a:ln>
-      </a:lnStyleLst>
-      <a:effectStyleLst>
-        <a:effectStyle>
-          <a:effectLst>
-            <a:outerShdw blurRad="40000" dist="20000" dir="5400000" rotWithShape="0">
-              <a:srgbClr val="000000">
-                <a:alpha val="38000"/>
-              </a:srgbClr>
-            </a:outerShdw>
-          </a:effectLst>
-        </a:effectStyle>
-        <a:effectStyle>
-          <a:effectLst>
-            <a:outerShdw blurRad="40000" dist="23000" dir="5400000" rotWithShape="0">
-              <a:srgbClr val="000000">
-                <a:alpha val="35000"/>
-              </a:srgbClr>
-            </a:outerShdw>
-          </a:effectLst>
-        </a:effectStyle>
-        <a:effectStyle>
-          <a:effectLst>
-            <a:outerShdw blurRad="40000" dist="23000" dir="5400000" rotWithShape="0">
-              <a:srgbClr val="000000">
-                <a:alpha val="35000"/>
-              </a:srgbClr>
-            </a:outerShdw>
-          </a:effectLst>
-          <a:scene3d>
-            <a:camera prst="orthographicFront">
-              <a:rot lat="0" lon="0" rev="0"/>
-            </a:camera>
-            <a:lightRig rig="threePt" dir="t">
-              <a:rot lat="0" lon="0" rev="1200000"/>
-            </a:lightRig>
-          </a:scene3d>
-          <a:sp3d>
-            <a:bevelT w="63500" h="25400"/>
-          </a:sp3d>
-        </a:effectStyle>
-      </a:effectStyleLst>
-      <a:bgFillStyleLst>
-        <a:solidFill>
-          <a:schemeClr val="phClr"/>
-        </a:solidFill>
-        <a:gradFill rotWithShape="1">
-          <a:gsLst>
-            <a:gs pos="0">
-              <a:schemeClr val="phClr">
-                <a:tint val="40000"/>
-                <a:satMod val="350000"/>
-              </a:schemeClr>
-            </a:gs>
-            <a:gs pos="40000">
-              <a:schemeClr val="phClr">
-                <a:tint val="45000"/>
-                <a:shade val="99000"/>
-                <a:satMod val="350000"/>
-              </a:schemeClr>
-            </a:gs>
-            <a:gs pos="100000">
-              <a:schemeClr val="phClr">
-                <a:shade val="20000"/>
-                <a:satMod val="255000"/>
-              </a:schemeClr>
-            </a:gs>
-          </a:gsLst>
-          <a:path path="circle">
-            <a:fillToRect l="50000" t="-80000" r="50000" b="180000"/>
-          </a:path>
-        </a:gradFill>
-        <a:gradFill rotWithShape="1">
-          <a:gsLst>
-            <a:gs pos="0">
-              <a:schemeClr val="phClr">
-                <a:tint val="80000"/>
-                <a:satMod val="300000"/>
-              </a:schemeClr>
-            </a:gs>
-            <a:gs pos="100000">
-              <a:schemeClr val="phClr">
-                <a:shade val="30000"/>
-                <a:satMod val="200000"/>
-              </a:schemeClr>
-            </a:gs>
-          </a:gsLst>
-          <a:path path="circle">
-            <a:fillToRect l="50000" t="50000" r="50000" b="50000"/>
-          </a:path>
-        </a:gradFill>
-      </a:bgFillStyleLst>
-    </a:fmtScheme>
-  </a:themeElements>
-</a:theme>
 </file>